--- a/Practicum/Week_6/Presentatie_week_6.pptx
+++ b/Practicum/Week_6/Presentatie_week_6.pptx
@@ -1,9 +1,12 @@
 
 <file path=ppt/presentation.xml><?xml version="1.0" encoding="utf-8"?>
-<p:presentation xmlns:a="http://schemas.openxmlformats.org/drawingml/2006/main" xmlns:r="http://schemas.openxmlformats.org/officeDocument/2006/relationships" xmlns:p="http://schemas.openxmlformats.org/presentationml/2006/main" autoCompressPictures="0">
+<p:presentation xmlns:a="http://schemas.openxmlformats.org/drawingml/2006/main" xmlns:r="http://schemas.openxmlformats.org/officeDocument/2006/relationships" xmlns:p="http://schemas.openxmlformats.org/presentationml/2006/main" showSpecialPlsOnTitleSld="0" autoCompressPictures="0">
   <p:sldMasterIdLst>
     <p:sldMasterId id="2147483698" r:id="rId1"/>
   </p:sldMasterIdLst>
+  <p:notesMasterIdLst>
+    <p:notesMasterId r:id="rId9"/>
+  </p:notesMasterIdLst>
   <p:sldIdLst>
     <p:sldId id="256" r:id="rId2"/>
     <p:sldId id="257" r:id="rId3"/>
@@ -116,6 +119,356 @@
     </p:ext>
   </p:extLst>
 </p:presentation>
+</file>
+
+<file path=ppt/notesMasters/notesMaster1.xml><?xml version="1.0" encoding="utf-8"?>
+<p:notesMaster xmlns:a="http://schemas.openxmlformats.org/drawingml/2006/main" xmlns:r="http://schemas.openxmlformats.org/officeDocument/2006/relationships" xmlns:p="http://schemas.openxmlformats.org/presentationml/2006/main">
+  <p:cSld>
+    <p:bg>
+      <p:bgRef idx="1001">
+        <a:schemeClr val="bg1"/>
+      </p:bgRef>
+    </p:bg>
+    <p:spTree>
+      <p:nvGrpSpPr>
+        <p:cNvPr id="1" name=""/>
+        <p:cNvGrpSpPr/>
+        <p:nvPr/>
+      </p:nvGrpSpPr>
+      <p:grpSpPr>
+        <a:xfrm>
+          <a:off x="0" y="0"/>
+          <a:ext cx="0" cy="0"/>
+          <a:chOff x="0" y="0"/>
+          <a:chExt cx="0" cy="0"/>
+        </a:xfrm>
+      </p:grpSpPr>
+      <p:sp>
+        <p:nvSpPr>
+          <p:cNvPr id="2" name="Tijdelijke aanduiding voor koptekst 1"/>
+          <p:cNvSpPr>
+            <a:spLocks noGrp="1"/>
+          </p:cNvSpPr>
+          <p:nvPr>
+            <p:ph type="hdr" sz="quarter"/>
+          </p:nvPr>
+        </p:nvSpPr>
+        <p:spPr>
+          <a:xfrm>
+            <a:off x="0" y="0"/>
+            <a:ext cx="2971800" cy="458788"/>
+          </a:xfrm>
+          <a:prstGeom prst="rect">
+            <a:avLst/>
+          </a:prstGeom>
+        </p:spPr>
+        <p:txBody>
+          <a:bodyPr vert="horz" lIns="91440" tIns="45720" rIns="91440" bIns="45720" rtlCol="0"/>
+          <a:lstStyle>
+            <a:lvl1pPr algn="l">
+              <a:defRPr sz="1200"/>
+            </a:lvl1pPr>
+          </a:lstStyle>
+          <a:p>
+            <a:endParaRPr lang="nl-NL"/>
+          </a:p>
+        </p:txBody>
+      </p:sp>
+      <p:sp>
+        <p:nvSpPr>
+          <p:cNvPr id="3" name="Tijdelijke aanduiding voor datum 2"/>
+          <p:cNvSpPr>
+            <a:spLocks noGrp="1"/>
+          </p:cNvSpPr>
+          <p:nvPr>
+            <p:ph type="dt" idx="1"/>
+          </p:nvPr>
+        </p:nvSpPr>
+        <p:spPr>
+          <a:xfrm>
+            <a:off x="3884613" y="0"/>
+            <a:ext cx="2971800" cy="458788"/>
+          </a:xfrm>
+          <a:prstGeom prst="rect">
+            <a:avLst/>
+          </a:prstGeom>
+        </p:spPr>
+        <p:txBody>
+          <a:bodyPr vert="horz" lIns="91440" tIns="45720" rIns="91440" bIns="45720" rtlCol="0"/>
+          <a:lstStyle>
+            <a:lvl1pPr algn="r">
+              <a:defRPr sz="1200"/>
+            </a:lvl1pPr>
+          </a:lstStyle>
+          <a:p>
+            <a:fld id="{04CABF4A-DA50-48C4-9055-094641612FFA}" type="datetimeFigureOut">
+              <a:rPr lang="nl-NL" smtClean="0"/>
+              <a:t>18-12-2016</a:t>
+            </a:fld>
+            <a:endParaRPr lang="nl-NL"/>
+          </a:p>
+        </p:txBody>
+      </p:sp>
+      <p:sp>
+        <p:nvSpPr>
+          <p:cNvPr id="4" name="Tijdelijke aanduiding voor dia-afbeelding 3"/>
+          <p:cNvSpPr>
+            <a:spLocks noGrp="1" noRot="1" noChangeAspect="1"/>
+          </p:cNvSpPr>
+          <p:nvPr>
+            <p:ph type="sldImg" idx="2"/>
+          </p:nvPr>
+        </p:nvSpPr>
+        <p:spPr>
+          <a:xfrm>
+            <a:off x="685800" y="1143000"/>
+            <a:ext cx="5486400" cy="3086100"/>
+          </a:xfrm>
+          <a:prstGeom prst="rect">
+            <a:avLst/>
+          </a:prstGeom>
+          <a:noFill/>
+          <a:ln w="12700">
+            <a:solidFill>
+              <a:prstClr val="black"/>
+            </a:solidFill>
+          </a:ln>
+        </p:spPr>
+        <p:txBody>
+          <a:bodyPr vert="horz" lIns="91440" tIns="45720" rIns="91440" bIns="45720" rtlCol="0" anchor="ctr"/>
+          <a:lstStyle/>
+          <a:p>
+            <a:endParaRPr lang="nl-NL"/>
+          </a:p>
+        </p:txBody>
+      </p:sp>
+      <p:sp>
+        <p:nvSpPr>
+          <p:cNvPr id="5" name="Tijdelijke aanduiding voor notities 4"/>
+          <p:cNvSpPr>
+            <a:spLocks noGrp="1"/>
+          </p:cNvSpPr>
+          <p:nvPr>
+            <p:ph type="body" sz="quarter" idx="3"/>
+          </p:nvPr>
+        </p:nvSpPr>
+        <p:spPr>
+          <a:xfrm>
+            <a:off x="685800" y="4400550"/>
+            <a:ext cx="5486400" cy="3600450"/>
+          </a:xfrm>
+          <a:prstGeom prst="rect">
+            <a:avLst/>
+          </a:prstGeom>
+        </p:spPr>
+        <p:txBody>
+          <a:bodyPr vert="horz" lIns="91440" tIns="45720" rIns="91440" bIns="45720" rtlCol="0"/>
+          <a:lstStyle/>
+          <a:p>
+            <a:pPr lvl="0"/>
+            <a:r>
+              <a:rPr lang="nl-NL"/>
+              <a:t>Tekststijl van het model bewerken</a:t>
+            </a:r>
+          </a:p>
+          <a:p>
+            <a:pPr lvl="1"/>
+            <a:r>
+              <a:rPr lang="nl-NL"/>
+              <a:t>Tweede niveau</a:t>
+            </a:r>
+          </a:p>
+          <a:p>
+            <a:pPr lvl="2"/>
+            <a:r>
+              <a:rPr lang="nl-NL"/>
+              <a:t>Derde niveau</a:t>
+            </a:r>
+          </a:p>
+          <a:p>
+            <a:pPr lvl="3"/>
+            <a:r>
+              <a:rPr lang="nl-NL"/>
+              <a:t>Vierde niveau</a:t>
+            </a:r>
+          </a:p>
+          <a:p>
+            <a:pPr lvl="4"/>
+            <a:r>
+              <a:rPr lang="nl-NL"/>
+              <a:t>Vijfde niveau</a:t>
+            </a:r>
+            <a:endParaRPr lang="nl-NL"/>
+          </a:p>
+        </p:txBody>
+      </p:sp>
+      <p:sp>
+        <p:nvSpPr>
+          <p:cNvPr id="6" name="Tijdelijke aanduiding voor voettekst 5"/>
+          <p:cNvSpPr>
+            <a:spLocks noGrp="1"/>
+          </p:cNvSpPr>
+          <p:nvPr>
+            <p:ph type="ftr" sz="quarter" idx="4"/>
+          </p:nvPr>
+        </p:nvSpPr>
+        <p:spPr>
+          <a:xfrm>
+            <a:off x="0" y="8685213"/>
+            <a:ext cx="2971800" cy="458787"/>
+          </a:xfrm>
+          <a:prstGeom prst="rect">
+            <a:avLst/>
+          </a:prstGeom>
+        </p:spPr>
+        <p:txBody>
+          <a:bodyPr vert="horz" lIns="91440" tIns="45720" rIns="91440" bIns="45720" rtlCol="0" anchor="b"/>
+          <a:lstStyle>
+            <a:lvl1pPr algn="l">
+              <a:defRPr sz="1200"/>
+            </a:lvl1pPr>
+          </a:lstStyle>
+          <a:p>
+            <a:endParaRPr lang="nl-NL"/>
+          </a:p>
+        </p:txBody>
+      </p:sp>
+      <p:sp>
+        <p:nvSpPr>
+          <p:cNvPr id="7" name="Tijdelijke aanduiding voor dianummer 6"/>
+          <p:cNvSpPr>
+            <a:spLocks noGrp="1"/>
+          </p:cNvSpPr>
+          <p:nvPr>
+            <p:ph type="sldNum" sz="quarter" idx="5"/>
+          </p:nvPr>
+        </p:nvSpPr>
+        <p:spPr>
+          <a:xfrm>
+            <a:off x="3884613" y="8685213"/>
+            <a:ext cx="2971800" cy="458787"/>
+          </a:xfrm>
+          <a:prstGeom prst="rect">
+            <a:avLst/>
+          </a:prstGeom>
+        </p:spPr>
+        <p:txBody>
+          <a:bodyPr vert="horz" lIns="91440" tIns="45720" rIns="91440" bIns="45720" rtlCol="0" anchor="b"/>
+          <a:lstStyle>
+            <a:lvl1pPr algn="r">
+              <a:defRPr sz="1200"/>
+            </a:lvl1pPr>
+          </a:lstStyle>
+          <a:p>
+            <a:fld id="{A1420F41-6AE9-41AA-982E-87ABF264A1CD}" type="slidenum">
+              <a:rPr lang="nl-NL" smtClean="0"/>
+              <a:t>‹nr.›</a:t>
+            </a:fld>
+            <a:endParaRPr lang="nl-NL"/>
+          </a:p>
+        </p:txBody>
+      </p:sp>
+    </p:spTree>
+    <p:extLst>
+      <p:ext uri="{BB962C8B-B14F-4D97-AF65-F5344CB8AC3E}">
+        <p14:creationId xmlns:p14="http://schemas.microsoft.com/office/powerpoint/2010/main" val="186109448"/>
+      </p:ext>
+    </p:extLst>
+  </p:cSld>
+  <p:clrMap bg1="lt1" tx1="dk1" bg2="lt2" tx2="dk2" accent1="accent1" accent2="accent2" accent3="accent3" accent4="accent4" accent5="accent5" accent6="accent6" hlink="hlink" folHlink="folHlink"/>
+  <p:notesStyle>
+    <a:lvl1pPr marL="0" algn="l" defTabSz="914400" rtl="0" eaLnBrk="1" latinLnBrk="0" hangingPunct="1">
+      <a:defRPr sz="1200" kern="1200">
+        <a:solidFill>
+          <a:schemeClr val="tx1"/>
+        </a:solidFill>
+        <a:latin typeface="+mn-lt"/>
+        <a:ea typeface="+mn-ea"/>
+        <a:cs typeface="+mn-cs"/>
+      </a:defRPr>
+    </a:lvl1pPr>
+    <a:lvl2pPr marL="457200" algn="l" defTabSz="914400" rtl="0" eaLnBrk="1" latinLnBrk="0" hangingPunct="1">
+      <a:defRPr sz="1200" kern="1200">
+        <a:solidFill>
+          <a:schemeClr val="tx1"/>
+        </a:solidFill>
+        <a:latin typeface="+mn-lt"/>
+        <a:ea typeface="+mn-ea"/>
+        <a:cs typeface="+mn-cs"/>
+      </a:defRPr>
+    </a:lvl2pPr>
+    <a:lvl3pPr marL="914400" algn="l" defTabSz="914400" rtl="0" eaLnBrk="1" latinLnBrk="0" hangingPunct="1">
+      <a:defRPr sz="1200" kern="1200">
+        <a:solidFill>
+          <a:schemeClr val="tx1"/>
+        </a:solidFill>
+        <a:latin typeface="+mn-lt"/>
+        <a:ea typeface="+mn-ea"/>
+        <a:cs typeface="+mn-cs"/>
+      </a:defRPr>
+    </a:lvl3pPr>
+    <a:lvl4pPr marL="1371600" algn="l" defTabSz="914400" rtl="0" eaLnBrk="1" latinLnBrk="0" hangingPunct="1">
+      <a:defRPr sz="1200" kern="1200">
+        <a:solidFill>
+          <a:schemeClr val="tx1"/>
+        </a:solidFill>
+        <a:latin typeface="+mn-lt"/>
+        <a:ea typeface="+mn-ea"/>
+        <a:cs typeface="+mn-cs"/>
+      </a:defRPr>
+    </a:lvl4pPr>
+    <a:lvl5pPr marL="1828800" algn="l" defTabSz="914400" rtl="0" eaLnBrk="1" latinLnBrk="0" hangingPunct="1">
+      <a:defRPr sz="1200" kern="1200">
+        <a:solidFill>
+          <a:schemeClr val="tx1"/>
+        </a:solidFill>
+        <a:latin typeface="+mn-lt"/>
+        <a:ea typeface="+mn-ea"/>
+        <a:cs typeface="+mn-cs"/>
+      </a:defRPr>
+    </a:lvl5pPr>
+    <a:lvl6pPr marL="2286000" algn="l" defTabSz="914400" rtl="0" eaLnBrk="1" latinLnBrk="0" hangingPunct="1">
+      <a:defRPr sz="1200" kern="1200">
+        <a:solidFill>
+          <a:schemeClr val="tx1"/>
+        </a:solidFill>
+        <a:latin typeface="+mn-lt"/>
+        <a:ea typeface="+mn-ea"/>
+        <a:cs typeface="+mn-cs"/>
+      </a:defRPr>
+    </a:lvl6pPr>
+    <a:lvl7pPr marL="2743200" algn="l" defTabSz="914400" rtl="0" eaLnBrk="1" latinLnBrk="0" hangingPunct="1">
+      <a:defRPr sz="1200" kern="1200">
+        <a:solidFill>
+          <a:schemeClr val="tx1"/>
+        </a:solidFill>
+        <a:latin typeface="+mn-lt"/>
+        <a:ea typeface="+mn-ea"/>
+        <a:cs typeface="+mn-cs"/>
+      </a:defRPr>
+    </a:lvl7pPr>
+    <a:lvl8pPr marL="3200400" algn="l" defTabSz="914400" rtl="0" eaLnBrk="1" latinLnBrk="0" hangingPunct="1">
+      <a:defRPr sz="1200" kern="1200">
+        <a:solidFill>
+          <a:schemeClr val="tx1"/>
+        </a:solidFill>
+        <a:latin typeface="+mn-lt"/>
+        <a:ea typeface="+mn-ea"/>
+        <a:cs typeface="+mn-cs"/>
+      </a:defRPr>
+    </a:lvl8pPr>
+    <a:lvl9pPr marL="3657600" algn="l" defTabSz="914400" rtl="0" eaLnBrk="1" latinLnBrk="0" hangingPunct="1">
+      <a:defRPr sz="1200" kern="1200">
+        <a:solidFill>
+          <a:schemeClr val="tx1"/>
+        </a:solidFill>
+        <a:latin typeface="+mn-lt"/>
+        <a:ea typeface="+mn-ea"/>
+        <a:cs typeface="+mn-cs"/>
+      </a:defRPr>
+    </a:lvl9pPr>
+  </p:notesStyle>
+</p:notesMaster>
 </file>
 
 <file path=ppt/slideLayouts/slideLayout1.xml><?xml version="1.0" encoding="utf-8"?>
@@ -838,10 +1191,9 @@
           <a:bodyPr/>
           <a:lstStyle/>
           <a:p>
-            <a:fld id="{B61BEF0D-F0BB-DE4B-95CE-6DB70DBA9567}" type="datetimeFigureOut">
+            <a:fld id="{408AC7A5-F725-4D17-9BC0-4228B28A8B38}" type="datetime1">
               <a:rPr lang="en-US" smtClean="0"/>
-              <a:pPr/>
-              <a:t>12/4/2016</a:t>
+              <a:t>12/18/2016</a:t>
             </a:fld>
             <a:endParaRPr lang="en-US" dirty="0"/>
           </a:p>
@@ -862,6 +1214,10 @@
           <a:bodyPr/>
           <a:lstStyle/>
           <a:p>
+            <a:r>
+              <a:rPr lang="en-US"/>
+              <a:t>Presenteren: audiovisuele hulpmiddelen</a:t>
+            </a:r>
             <a:endParaRPr lang="en-US" dirty="0"/>
           </a:p>
         </p:txBody>
@@ -1091,10 +1447,9 @@
           <a:bodyPr/>
           <a:lstStyle/>
           <a:p>
-            <a:fld id="{B61BEF0D-F0BB-DE4B-95CE-6DB70DBA9567}" type="datetimeFigureOut">
+            <a:fld id="{136A4CD5-8542-4748-BF09-845BFCF696F0}" type="datetime1">
               <a:rPr lang="en-US" smtClean="0"/>
-              <a:pPr/>
-              <a:t>12/4/2016</a:t>
+              <a:t>12/18/2016</a:t>
             </a:fld>
             <a:endParaRPr lang="en-US" dirty="0"/>
           </a:p>
@@ -1115,6 +1470,10 @@
           <a:bodyPr/>
           <a:lstStyle/>
           <a:p>
+            <a:r>
+              <a:rPr lang="en-US"/>
+              <a:t>Presenteren: audiovisuele hulpmiddelen</a:t>
+            </a:r>
             <a:endParaRPr lang="en-US" dirty="0"/>
           </a:p>
         </p:txBody>
@@ -1407,10 +1766,9 @@
           <a:bodyPr/>
           <a:lstStyle/>
           <a:p>
-            <a:fld id="{B61BEF0D-F0BB-DE4B-95CE-6DB70DBA9567}" type="datetimeFigureOut">
+            <a:fld id="{08546D85-F1AE-4BE1-B846-43B4E3230D88}" type="datetime1">
               <a:rPr lang="en-US" smtClean="0"/>
-              <a:pPr/>
-              <a:t>12/4/2016</a:t>
+              <a:t>12/18/2016</a:t>
             </a:fld>
             <a:endParaRPr lang="en-US" dirty="0"/>
           </a:p>
@@ -1431,6 +1789,10 @@
           <a:bodyPr/>
           <a:lstStyle/>
           <a:p>
+            <a:r>
+              <a:rPr lang="en-US"/>
+              <a:t>Presenteren: audiovisuele hulpmiddelen</a:t>
+            </a:r>
             <a:endParaRPr lang="en-US" dirty="0"/>
           </a:p>
         </p:txBody>
@@ -1750,10 +2112,9 @@
           <a:bodyPr/>
           <a:lstStyle/>
           <a:p>
-            <a:fld id="{B61BEF0D-F0BB-DE4B-95CE-6DB70DBA9567}" type="datetimeFigureOut">
+            <a:fld id="{3F2AA39B-453B-4549-90E5-EC1AF9471337}" type="datetime1">
               <a:rPr lang="en-US" smtClean="0"/>
-              <a:pPr/>
-              <a:t>12/4/2016</a:t>
+              <a:t>12/18/2016</a:t>
             </a:fld>
             <a:endParaRPr lang="en-US" dirty="0"/>
           </a:p>
@@ -1774,6 +2135,10 @@
           <a:bodyPr/>
           <a:lstStyle/>
           <a:p>
+            <a:r>
+              <a:rPr lang="en-US"/>
+              <a:t>Presenteren: audiovisuele hulpmiddelen</a:t>
+            </a:r>
             <a:endParaRPr lang="en-US" dirty="0"/>
           </a:p>
         </p:txBody>
@@ -2066,10 +2431,9 @@
           <a:bodyPr/>
           <a:lstStyle/>
           <a:p>
-            <a:fld id="{B61BEF0D-F0BB-DE4B-95CE-6DB70DBA9567}" type="datetimeFigureOut">
+            <a:fld id="{4D83EB1A-DF1D-46B2-8FF3-471039DB19AF}" type="datetime1">
               <a:rPr lang="en-US" smtClean="0"/>
-              <a:pPr/>
-              <a:t>12/4/2016</a:t>
+              <a:t>12/18/2016</a:t>
             </a:fld>
             <a:endParaRPr lang="en-US" dirty="0"/>
           </a:p>
@@ -2090,6 +2454,10 @@
           <a:bodyPr/>
           <a:lstStyle/>
           <a:p>
+            <a:r>
+              <a:rPr lang="en-US"/>
+              <a:t>Presenteren: audiovisuele hulpmiddelen</a:t>
+            </a:r>
             <a:endParaRPr lang="en-US" dirty="0"/>
           </a:p>
         </p:txBody>
@@ -2461,10 +2829,9 @@
           <a:bodyPr/>
           <a:lstStyle/>
           <a:p>
-            <a:fld id="{B61BEF0D-F0BB-DE4B-95CE-6DB70DBA9567}" type="datetimeFigureOut">
+            <a:fld id="{7FC1BB16-1221-42A2-9BDB-ED24320F4587}" type="datetime1">
               <a:rPr lang="en-US" smtClean="0"/>
-              <a:pPr/>
-              <a:t>12/4/2016</a:t>
+              <a:t>12/18/2016</a:t>
             </a:fld>
             <a:endParaRPr lang="en-US" dirty="0"/>
           </a:p>
@@ -2485,6 +2852,10 @@
           <a:bodyPr/>
           <a:lstStyle/>
           <a:p>
+            <a:r>
+              <a:rPr lang="en-US"/>
+              <a:t>Presenteren: audiovisuele hulpmiddelen</a:t>
+            </a:r>
             <a:endParaRPr lang="en-US" dirty="0"/>
           </a:p>
         </p:txBody>
@@ -2633,9 +3004,9 @@
           <a:bodyPr/>
           <a:lstStyle/>
           <a:p>
-            <a:fld id="{55C6B4A9-1611-4792-9094-5F34BCA07E0B}" type="datetimeFigureOut">
+            <a:fld id="{CEEE86F3-013B-44E4-A30F-D1C0535D8F56}" type="datetime1">
               <a:rPr lang="en-US" smtClean="0"/>
-              <a:t>12/4/2016</a:t>
+              <a:t>12/18/2016</a:t>
             </a:fld>
             <a:endParaRPr lang="en-US" dirty="0"/>
           </a:p>
@@ -2656,6 +3027,10 @@
           <a:bodyPr/>
           <a:lstStyle/>
           <a:p>
+            <a:r>
+              <a:rPr lang="en-US"/>
+              <a:t>Presenteren: audiovisuele hulpmiddelen</a:t>
+            </a:r>
             <a:endParaRPr lang="en-US" dirty="0"/>
           </a:p>
         </p:txBody>
@@ -2813,10 +3188,9 @@
           <a:bodyPr/>
           <a:lstStyle/>
           <a:p>
-            <a:fld id="{B61BEF0D-F0BB-DE4B-95CE-6DB70DBA9567}" type="datetimeFigureOut">
+            <a:fld id="{BB68A0B6-14BB-4B9A-A029-653F1E8BC9C2}" type="datetime1">
               <a:rPr lang="en-US" smtClean="0"/>
-              <a:pPr/>
-              <a:t>12/4/2016</a:t>
+              <a:t>12/18/2016</a:t>
             </a:fld>
             <a:endParaRPr lang="en-US" dirty="0"/>
           </a:p>
@@ -2837,6 +3211,10 @@
           <a:bodyPr/>
           <a:lstStyle/>
           <a:p>
+            <a:r>
+              <a:rPr lang="en-US"/>
+              <a:t>Presenteren: audiovisuele hulpmiddelen</a:t>
+            </a:r>
             <a:endParaRPr lang="en-US" dirty="0"/>
           </a:p>
         </p:txBody>
@@ -2991,10 +3369,9 @@
           <a:bodyPr/>
           <a:lstStyle/>
           <a:p>
-            <a:fld id="{B61BEF0D-F0BB-DE4B-95CE-6DB70DBA9567}" type="datetimeFigureOut">
+            <a:fld id="{534E72A9-2FA8-4541-918F-E1D3E4246A49}" type="datetime1">
               <a:rPr lang="en-US" smtClean="0"/>
-              <a:pPr/>
-              <a:t>12/4/2016</a:t>
+              <a:t>12/18/2016</a:t>
             </a:fld>
             <a:endParaRPr lang="en-US" dirty="0"/>
           </a:p>
@@ -3015,6 +3392,10 @@
           <a:bodyPr/>
           <a:lstStyle/>
           <a:p>
+            <a:r>
+              <a:rPr lang="en-US"/>
+              <a:t>Presenteren: audiovisuele hulpmiddelen</a:t>
+            </a:r>
             <a:endParaRPr lang="en-US" dirty="0"/>
           </a:p>
         </p:txBody>
@@ -3240,10 +3621,9 @@
           <a:bodyPr/>
           <a:lstStyle/>
           <a:p>
-            <a:fld id="{B61BEF0D-F0BB-DE4B-95CE-6DB70DBA9567}" type="datetimeFigureOut">
+            <a:fld id="{A5441582-7869-4180-B8DD-19F8E7991A0F}" type="datetime1">
               <a:rPr lang="en-US" smtClean="0"/>
-              <a:pPr/>
-              <a:t>12/4/2016</a:t>
+              <a:t>12/18/2016</a:t>
             </a:fld>
             <a:endParaRPr lang="en-US" dirty="0"/>
           </a:p>
@@ -3264,6 +3644,10 @@
           <a:bodyPr/>
           <a:lstStyle/>
           <a:p>
+            <a:r>
+              <a:rPr lang="en-US"/>
+              <a:t>Presenteren: audiovisuele hulpmiddelen</a:t>
+            </a:r>
             <a:endParaRPr lang="en-US" dirty="0"/>
           </a:p>
         </p:txBody>
@@ -3474,9 +3858,9 @@
           <a:bodyPr/>
           <a:lstStyle/>
           <a:p>
-            <a:fld id="{EB712588-04B1-427B-82EE-E8DB90309F08}" type="datetimeFigureOut">
+            <a:fld id="{A6324A2F-B337-4691-999E-5C2965821E76}" type="datetime1">
               <a:rPr lang="en-US" smtClean="0"/>
-              <a:t>12/4/2016</a:t>
+              <a:t>12/18/2016</a:t>
             </a:fld>
             <a:endParaRPr lang="en-US" dirty="0"/>
           </a:p>
@@ -3497,6 +3881,10 @@
           <a:bodyPr/>
           <a:lstStyle/>
           <a:p>
+            <a:r>
+              <a:rPr lang="en-US"/>
+              <a:t>Presenteren: audiovisuele hulpmiddelen</a:t>
+            </a:r>
             <a:endParaRPr lang="en-US" dirty="0"/>
           </a:p>
         </p:txBody>
@@ -3848,10 +4236,9 @@
           <a:bodyPr/>
           <a:lstStyle/>
           <a:p>
-            <a:fld id="{B61BEF0D-F0BB-DE4B-95CE-6DB70DBA9567}" type="datetimeFigureOut">
+            <a:fld id="{7A149097-9D3D-4E32-B597-65008FDC2436}" type="datetime1">
               <a:rPr lang="en-US" smtClean="0"/>
-              <a:pPr/>
-              <a:t>12/4/2016</a:t>
+              <a:t>12/18/2016</a:t>
             </a:fld>
             <a:endParaRPr lang="en-US" dirty="0"/>
           </a:p>
@@ -3872,6 +4259,10 @@
           <a:bodyPr/>
           <a:lstStyle/>
           <a:p>
+            <a:r>
+              <a:rPr lang="en-US"/>
+              <a:t>Presenteren: audiovisuele hulpmiddelen</a:t>
+            </a:r>
             <a:endParaRPr lang="en-US" dirty="0"/>
           </a:p>
         </p:txBody>
@@ -3973,10 +4364,9 @@
           <a:bodyPr/>
           <a:lstStyle/>
           <a:p>
-            <a:fld id="{B61BEF0D-F0BB-DE4B-95CE-6DB70DBA9567}" type="datetimeFigureOut">
+            <a:fld id="{6F4BDAF3-1386-46BF-A30C-F18E95F570DB}" type="datetime1">
               <a:rPr lang="en-US" smtClean="0"/>
-              <a:pPr/>
-              <a:t>12/4/2016</a:t>
+              <a:t>12/18/2016</a:t>
             </a:fld>
             <a:endParaRPr lang="en-US" dirty="0"/>
           </a:p>
@@ -3997,6 +4387,10 @@
           <a:bodyPr/>
           <a:lstStyle/>
           <a:p>
+            <a:r>
+              <a:rPr lang="en-US"/>
+              <a:t>Presenteren: audiovisuele hulpmiddelen</a:t>
+            </a:r>
             <a:endParaRPr lang="en-US" dirty="0"/>
           </a:p>
         </p:txBody>
@@ -4070,10 +4464,9 @@
           <a:bodyPr/>
           <a:lstStyle/>
           <a:p>
-            <a:fld id="{B61BEF0D-F0BB-DE4B-95CE-6DB70DBA9567}" type="datetimeFigureOut">
+            <a:fld id="{B86E4726-09B3-4D28-B649-6A558D19E299}" type="datetime1">
               <a:rPr lang="en-US" smtClean="0"/>
-              <a:pPr/>
-              <a:t>12/4/2016</a:t>
+              <a:t>12/18/2016</a:t>
             </a:fld>
             <a:endParaRPr lang="en-US" dirty="0"/>
           </a:p>
@@ -4094,6 +4487,10 @@
           <a:bodyPr/>
           <a:lstStyle/>
           <a:p>
+            <a:r>
+              <a:rPr lang="en-US"/>
+              <a:t>Presenteren: audiovisuele hulpmiddelen</a:t>
+            </a:r>
             <a:endParaRPr lang="en-US" dirty="0"/>
           </a:p>
         </p:txBody>
@@ -4327,9 +4724,9 @@
           <a:bodyPr/>
           <a:lstStyle/>
           <a:p>
-            <a:fld id="{42A54C80-263E-416B-A8E0-580EDEADCBDC}" type="datetimeFigureOut">
+            <a:fld id="{8D811B10-8879-4F22-80E6-8CF9B99E861A}" type="datetime1">
               <a:rPr lang="en-US" smtClean="0"/>
-              <a:t>12/4/2016</a:t>
+              <a:t>12/18/2016</a:t>
             </a:fld>
             <a:endParaRPr lang="en-US" dirty="0"/>
           </a:p>
@@ -4350,6 +4747,10 @@
           <a:bodyPr/>
           <a:lstStyle/>
           <a:p>
+            <a:r>
+              <a:rPr lang="en-US"/>
+              <a:t>Presenteren: audiovisuele hulpmiddelen</a:t>
+            </a:r>
             <a:endParaRPr lang="en-US" dirty="0"/>
           </a:p>
         </p:txBody>
@@ -4590,10 +4991,9 @@
           <a:bodyPr/>
           <a:lstStyle/>
           <a:p>
-            <a:fld id="{B61BEF0D-F0BB-DE4B-95CE-6DB70DBA9567}" type="datetimeFigureOut">
+            <a:fld id="{D50BBF52-BE4F-4823-81BF-950FE38C96EE}" type="datetime1">
               <a:rPr lang="en-US" smtClean="0"/>
-              <a:pPr/>
-              <a:t>12/4/2016</a:t>
+              <a:t>12/18/2016</a:t>
             </a:fld>
             <a:endParaRPr lang="en-US" dirty="0"/>
           </a:p>
@@ -4614,6 +5014,10 @@
           <a:bodyPr/>
           <a:lstStyle/>
           <a:p>
+            <a:r>
+              <a:rPr lang="en-US"/>
+              <a:t>Presenteren: audiovisuele hulpmiddelen</a:t>
+            </a:r>
             <a:endParaRPr lang="en-US" dirty="0"/>
           </a:p>
         </p:txBody>
@@ -5335,10 +5739,9 @@
             </a:lvl1pPr>
           </a:lstStyle>
           <a:p>
-            <a:fld id="{B61BEF0D-F0BB-DE4B-95CE-6DB70DBA9567}" type="datetimeFigureOut">
+            <a:fld id="{50234FAF-E7A3-4F05-9F7D-C164B63BAF7B}" type="datetime1">
               <a:rPr lang="en-US" smtClean="0"/>
-              <a:pPr/>
-              <a:t>12/4/2016</a:t>
+              <a:t>12/18/2016</a:t>
             </a:fld>
             <a:endParaRPr lang="en-US" dirty="0"/>
           </a:p>
@@ -5377,6 +5780,10 @@
             </a:lvl1pPr>
           </a:lstStyle>
           <a:p>
+            <a:r>
+              <a:rPr lang="en-US"/>
+              <a:t>Presenteren: audiovisuele hulpmiddelen</a:t>
+            </a:r>
             <a:endParaRPr lang="en-US" dirty="0"/>
           </a:p>
         </p:txBody>
@@ -5447,6 +5854,7 @@
     <p:sldLayoutId id="2147483713" r:id="rId15"/>
     <p:sldLayoutId id="2147483714" r:id="rId16"/>
   </p:sldLayoutIdLst>
+  <p:hf hdr="0"/>
   <p:txStyles>
     <p:titleStyle>
       <a:lvl1pPr algn="l" defTabSz="457200" rtl="0" eaLnBrk="1" latinLnBrk="0" hangingPunct="1">
@@ -5873,14 +6281,26 @@
             <p:ph type="ctrTitle"/>
           </p:nvPr>
         </p:nvSpPr>
-        <p:spPr/>
+        <p:spPr>
+          <a:xfrm>
+            <a:off x="714280" y="2378314"/>
+            <a:ext cx="8559723" cy="1646302"/>
+          </a:xfrm>
+        </p:spPr>
         <p:txBody>
           <a:bodyPr/>
           <a:lstStyle/>
           <a:p>
             <a:r>
               <a:rPr lang="nl-NL" dirty="0"/>
-              <a:t>Presenteren: houding &amp; stemgebruik</a:t>
+              <a:t>Presenteren: </a:t>
+            </a:r>
+            <a:br>
+              <a:rPr lang="nl-NL" dirty="0"/>
+            </a:br>
+            <a:r>
+              <a:rPr lang="nl-NL" dirty="0"/>
+              <a:t>audiovisuele hulpmiddelen</a:t>
             </a:r>
           </a:p>
         </p:txBody>
@@ -5895,7 +6315,12 @@
             <p:ph type="subTitle" idx="1"/>
           </p:nvPr>
         </p:nvSpPr>
-        <p:spPr/>
+        <p:spPr>
+          <a:xfrm>
+            <a:off x="1507067" y="4065553"/>
+            <a:ext cx="7766936" cy="1096899"/>
+          </a:xfrm>
+        </p:spPr>
         <p:txBody>
           <a:bodyPr/>
           <a:lstStyle/>
@@ -5909,6 +6334,82 @@
             <a:r>
               <a:rPr lang="nl-NL" dirty="0"/>
               <a:t>Martijn van Essen</a:t>
+            </a:r>
+          </a:p>
+        </p:txBody>
+      </p:sp>
+      <p:pic>
+        <p:nvPicPr>
+          <p:cNvPr id="1026" name="Picture 2" descr="2014_sales_boardroom_DeltaLloyd"/>
+          <p:cNvPicPr>
+            <a:picLocks noChangeAspect="1" noChangeArrowheads="1"/>
+          </p:cNvPicPr>
+          <p:nvPr/>
+        </p:nvPicPr>
+        <p:blipFill>
+          <a:blip r:embed="rId2">
+            <a:extLst>
+              <a:ext uri="{28A0092B-C50C-407E-A947-70E740481C1C}">
+                <a14:useLocalDpi xmlns:a14="http://schemas.microsoft.com/office/drawing/2010/main" val="0"/>
+              </a:ext>
+            </a:extLst>
+          </a:blip>
+          <a:srcRect/>
+          <a:stretch>
+            <a:fillRect/>
+          </a:stretch>
+        </p:blipFill>
+        <p:spPr bwMode="auto">
+          <a:xfrm>
+            <a:off x="1931080" y="4211156"/>
+            <a:ext cx="3546931" cy="1925586"/>
+          </a:xfrm>
+          <a:prstGeom prst="rect">
+            <a:avLst/>
+          </a:prstGeom>
+          <a:noFill/>
+          <a:extLst>
+            <a:ext uri="{909E8E84-426E-40DD-AFC4-6F175D3DCCD1}">
+              <a14:hiddenFill xmlns:a14="http://schemas.microsoft.com/office/drawing/2010/main">
+                <a:solidFill>
+                  <a:srgbClr val="FFFFFF"/>
+                </a:solidFill>
+              </a14:hiddenFill>
+            </a:ext>
+          </a:extLst>
+        </p:spPr>
+      </p:pic>
+      <p:sp>
+        <p:nvSpPr>
+          <p:cNvPr id="4" name="Tekstvak 3"/>
+          <p:cNvSpPr txBox="1"/>
+          <p:nvPr/>
+        </p:nvSpPr>
+        <p:spPr>
+          <a:xfrm>
+            <a:off x="1931080" y="6189577"/>
+            <a:ext cx="3651620" cy="215444"/>
+          </a:xfrm>
+          <a:prstGeom prst="rect">
+            <a:avLst/>
+          </a:prstGeom>
+          <a:noFill/>
+        </p:spPr>
+        <p:txBody>
+          <a:bodyPr wrap="square" rtlCol="0">
+            <a:spAutoFit/>
+          </a:bodyPr>
+          <a:lstStyle/>
+          <a:p>
+            <a:r>
+              <a:rPr lang="nl-NL" sz="800" dirty="0">
+                <a:solidFill>
+                  <a:schemeClr val="bg1">
+                    <a:lumMod val="50000"/>
+                  </a:schemeClr>
+                </a:solidFill>
+              </a:rPr>
+              <a:t>Bron: https://www.hulskamp.nl/branches/corporate-en-mkb/boardroom</a:t>
             </a:r>
           </a:p>
         </p:txBody>
@@ -5987,25 +6488,25 @@
           <a:p>
             <a:r>
               <a:rPr lang="nl-NL" dirty="0"/>
-              <a:t>Houding &amp; stemgebruik: in hoeverre let u erop?</a:t>
+              <a:t>Aandacht</a:t>
             </a:r>
           </a:p>
           <a:p>
             <a:r>
               <a:rPr lang="nl-NL" dirty="0"/>
-              <a:t>Voorbeeld houding</a:t>
+              <a:t>Audiovisuele hulpmiddelen</a:t>
             </a:r>
           </a:p>
           <a:p>
             <a:r>
               <a:rPr lang="nl-NL" dirty="0"/>
-              <a:t>Voorbeeld stemgebruik</a:t>
+              <a:t>Inhoud presentatie</a:t>
             </a:r>
           </a:p>
           <a:p>
             <a:r>
               <a:rPr lang="nl-NL" dirty="0"/>
-              <a:t>Hoofdvraag: Hou kunt u uw houding en stemgebruik aanpassen voor een succesvolle presentatie?</a:t>
+              <a:t>Hoofdvraag: Hoe worden audiovisuele hulpmiddelen ter ondersteuning van een presentatie gebruikt?</a:t>
             </a:r>
           </a:p>
           <a:p>
@@ -6014,8 +6515,75 @@
           <a:p>
             <a:endParaRPr lang="nl-NL" dirty="0"/>
           </a:p>
-          <a:p>
-            <a:endParaRPr lang="nl-NL" dirty="0"/>
+        </p:txBody>
+      </p:sp>
+      <p:sp>
+        <p:nvSpPr>
+          <p:cNvPr id="4" name="Tijdelijke aanduiding voor datum 3"/>
+          <p:cNvSpPr>
+            <a:spLocks noGrp="1"/>
+          </p:cNvSpPr>
+          <p:nvPr>
+            <p:ph type="dt" sz="half" idx="10"/>
+          </p:nvPr>
+        </p:nvSpPr>
+        <p:spPr/>
+        <p:txBody>
+          <a:bodyPr/>
+          <a:lstStyle/>
+          <a:p>
+            <a:fld id="{FA3230BC-606D-4B30-AA0A-6B1027021153}" type="datetime1">
+              <a:rPr lang="en-US" smtClean="0"/>
+              <a:t>12/18/2016</a:t>
+            </a:fld>
+            <a:endParaRPr lang="en-US" dirty="0"/>
+          </a:p>
+        </p:txBody>
+      </p:sp>
+      <p:sp>
+        <p:nvSpPr>
+          <p:cNvPr id="5" name="Tijdelijke aanduiding voor voettekst 4"/>
+          <p:cNvSpPr>
+            <a:spLocks noGrp="1"/>
+          </p:cNvSpPr>
+          <p:nvPr>
+            <p:ph type="ftr" sz="quarter" idx="11"/>
+          </p:nvPr>
+        </p:nvSpPr>
+        <p:spPr/>
+        <p:txBody>
+          <a:bodyPr/>
+          <a:lstStyle/>
+          <a:p>
+            <a:r>
+              <a:rPr lang="en-US"/>
+              <a:t>Presenteren: audiovisuele hulpmiddelen</a:t>
+            </a:r>
+            <a:endParaRPr lang="en-US" dirty="0"/>
+          </a:p>
+        </p:txBody>
+      </p:sp>
+      <p:sp>
+        <p:nvSpPr>
+          <p:cNvPr id="6" name="Tijdelijke aanduiding voor dianummer 5"/>
+          <p:cNvSpPr>
+            <a:spLocks noGrp="1"/>
+          </p:cNvSpPr>
+          <p:nvPr>
+            <p:ph type="sldNum" sz="quarter" idx="12"/>
+          </p:nvPr>
+        </p:nvSpPr>
+        <p:spPr/>
+        <p:txBody>
+          <a:bodyPr/>
+          <a:lstStyle/>
+          <a:p>
+            <a:fld id="{D57F1E4F-1CFF-5643-939E-217C01CDF565}" type="slidenum">
+              <a:rPr lang="en-US" smtClean="0"/>
+              <a:pPr/>
+              <a:t>2</a:t>
+            </a:fld>
+            <a:endParaRPr lang="en-US" dirty="0"/>
           </a:p>
         </p:txBody>
       </p:sp>
@@ -6090,48 +6658,47 @@
           <a:p>
             <a:r>
               <a:rPr lang="nl-NL" dirty="0"/>
-              <a:t>Houding</a:t>
+              <a:t>Presentatiemiddelen</a:t>
             </a:r>
           </a:p>
           <a:p>
             <a:pPr lvl="1"/>
             <a:r>
               <a:rPr lang="nl-NL" dirty="0"/>
-              <a:t>Contact met publiek</a:t>
+              <a:t>Doel</a:t>
             </a:r>
           </a:p>
           <a:p>
             <a:pPr lvl="1"/>
             <a:r>
               <a:rPr lang="nl-NL" dirty="0"/>
-              <a:t>Open houding</a:t>
+              <a:t>Voorbeelden</a:t>
             </a:r>
           </a:p>
           <a:p>
             <a:r>
               <a:rPr lang="nl-NL" dirty="0"/>
-              <a:t>Stemgebruik</a:t>
-            </a:r>
-          </a:p>
-          <a:p>
-            <a:pPr lvl="1"/>
+              <a:t>Optimaal gebruik</a:t>
+            </a:r>
+          </a:p>
+          <a:p>
             <a:r>
               <a:rPr lang="nl-NL" dirty="0"/>
-              <a:t>Helder taalgebruik</a:t>
-            </a:r>
-          </a:p>
-          <a:p>
-            <a:pPr lvl="1"/>
+              <a:t>Opstellen </a:t>
+            </a:r>
+            <a:r>
+              <a:rPr lang="nl-NL" dirty="0" err="1"/>
+              <a:t>powerpoint</a:t>
+            </a:r>
             <a:r>
               <a:rPr lang="nl-NL" dirty="0"/>
-              <a:t>Verbetering taalgebruik</a:t>
-            </a:r>
-          </a:p>
-          <a:p>
-            <a:r>
-              <a:rPr lang="nl-NL" dirty="0"/>
-              <a:t>Effectief gebruik</a:t>
-            </a:r>
+              <a:t> / </a:t>
+            </a:r>
+            <a:r>
+              <a:rPr lang="nl-NL" dirty="0" err="1"/>
+              <a:t>prezi</a:t>
+            </a:r>
+            <a:endParaRPr lang="nl-NL" dirty="0"/>
           </a:p>
           <a:p>
             <a:r>
@@ -6142,8 +6709,78 @@
           <a:p>
             <a:r>
               <a:rPr lang="nl-NL" dirty="0"/>
-              <a:t>Vragen</a:t>
-            </a:r>
+              <a:t>Mogelijkheid tot vragen/opmerkingen/feedback</a:t>
+            </a:r>
+          </a:p>
+        </p:txBody>
+      </p:sp>
+      <p:sp>
+        <p:nvSpPr>
+          <p:cNvPr id="4" name="Tijdelijke aanduiding voor datum 3"/>
+          <p:cNvSpPr>
+            <a:spLocks noGrp="1"/>
+          </p:cNvSpPr>
+          <p:nvPr>
+            <p:ph type="dt" sz="half" idx="10"/>
+          </p:nvPr>
+        </p:nvSpPr>
+        <p:spPr/>
+        <p:txBody>
+          <a:bodyPr/>
+          <a:lstStyle/>
+          <a:p>
+            <a:fld id="{B4517BC3-9165-413F-BCB0-0E1ABA984826}" type="datetime1">
+              <a:rPr lang="en-US" smtClean="0"/>
+              <a:t>12/18/2016</a:t>
+            </a:fld>
+            <a:endParaRPr lang="en-US" dirty="0"/>
+          </a:p>
+        </p:txBody>
+      </p:sp>
+      <p:sp>
+        <p:nvSpPr>
+          <p:cNvPr id="5" name="Tijdelijke aanduiding voor voettekst 4"/>
+          <p:cNvSpPr>
+            <a:spLocks noGrp="1"/>
+          </p:cNvSpPr>
+          <p:nvPr>
+            <p:ph type="ftr" sz="quarter" idx="11"/>
+          </p:nvPr>
+        </p:nvSpPr>
+        <p:spPr/>
+        <p:txBody>
+          <a:bodyPr/>
+          <a:lstStyle/>
+          <a:p>
+            <a:r>
+              <a:rPr lang="en-US"/>
+              <a:t>Presenteren: audiovisuele hulpmiddelen</a:t>
+            </a:r>
+            <a:endParaRPr lang="en-US" dirty="0"/>
+          </a:p>
+        </p:txBody>
+      </p:sp>
+      <p:sp>
+        <p:nvSpPr>
+          <p:cNvPr id="6" name="Tijdelijke aanduiding voor dianummer 5"/>
+          <p:cNvSpPr>
+            <a:spLocks noGrp="1"/>
+          </p:cNvSpPr>
+          <p:nvPr>
+            <p:ph type="sldNum" sz="quarter" idx="12"/>
+          </p:nvPr>
+        </p:nvSpPr>
+        <p:spPr/>
+        <p:txBody>
+          <a:bodyPr/>
+          <a:lstStyle/>
+          <a:p>
+            <a:fld id="{D57F1E4F-1CFF-5643-939E-217C01CDF565}" type="slidenum">
+              <a:rPr lang="en-US" smtClean="0"/>
+              <a:pPr/>
+              <a:t>3</a:t>
+            </a:fld>
+            <a:endParaRPr lang="en-US" dirty="0"/>
           </a:p>
         </p:txBody>
       </p:sp>
@@ -6199,7 +6836,7 @@
           <a:p>
             <a:r>
               <a:rPr lang="nl-NL" dirty="0"/>
-              <a:t>Houding</a:t>
+              <a:t>Presentatiemiddelen</a:t>
             </a:r>
           </a:p>
         </p:txBody>
@@ -6228,61 +6865,142 @@
           <a:p>
             <a:r>
               <a:rPr lang="nl-NL" dirty="0"/>
-              <a:t>Contact met publiek</a:t>
+              <a:t>Doel:</a:t>
             </a:r>
           </a:p>
           <a:p>
             <a:pPr lvl="1"/>
             <a:r>
               <a:rPr lang="nl-NL" dirty="0"/>
-              <a:t>Oogcontact</a:t>
+              <a:t>levendiger &amp; betere informatieoverdracht</a:t>
             </a:r>
           </a:p>
           <a:p>
             <a:r>
               <a:rPr lang="nl-NL" dirty="0"/>
-              <a:t>Open houding</a:t>
+              <a:t>Voorbeelden</a:t>
             </a:r>
           </a:p>
           <a:p>
             <a:pPr lvl="1"/>
             <a:r>
+              <a:rPr lang="nl-NL" dirty="0" err="1"/>
+              <a:t>Powerpoint</a:t>
+            </a:r>
+            <a:r>
               <a:rPr lang="nl-NL" dirty="0"/>
-              <a:t>Armen los langs je lichaam</a:t>
+              <a:t>(/</a:t>
+            </a:r>
+            <a:r>
+              <a:rPr lang="nl-NL" dirty="0" err="1"/>
+              <a:t>Prezi</a:t>
+            </a:r>
+            <a:r>
+              <a:rPr lang="nl-NL" dirty="0"/>
+              <a:t>)</a:t>
             </a:r>
           </a:p>
           <a:p>
             <a:pPr lvl="1"/>
             <a:r>
               <a:rPr lang="nl-NL" dirty="0"/>
-              <a:t>Niet </a:t>
-            </a:r>
-            <a:r>
-              <a:rPr lang="nl-NL" dirty="0" err="1"/>
-              <a:t>vastkrampen</a:t>
-            </a:r>
+              <a:t>Videofragmenten</a:t>
+            </a:r>
+          </a:p>
+          <a:p>
+            <a:pPr lvl="1"/>
+            <a:r>
+              <a:rPr lang="nl-NL" dirty="0"/>
+              <a:t>Audiofragmenten</a:t>
+            </a:r>
+          </a:p>
+          <a:p>
+            <a:pPr lvl="1"/>
+            <a:r>
+              <a:rPr lang="nl-NL" dirty="0"/>
+              <a:t>Whiteboard</a:t>
+            </a:r>
+          </a:p>
+          <a:p>
+            <a:pPr lvl="1"/>
+            <a:r>
+              <a:rPr lang="nl-NL" dirty="0"/>
+              <a:t>Voorwerpen</a:t>
+            </a:r>
+          </a:p>
+          <a:p>
+            <a:pPr lvl="1"/>
             <a:endParaRPr lang="nl-NL" dirty="0"/>
           </a:p>
-          <a:p>
-            <a:pPr lvl="1"/>
-            <a:r>
-              <a:rPr lang="nl-NL" dirty="0"/>
-              <a:t>Ontspannen</a:t>
-            </a:r>
-          </a:p>
-          <a:p>
-            <a:pPr lvl="1"/>
-            <a:r>
-              <a:rPr lang="nl-NL" dirty="0"/>
-              <a:t>Beperkt en rustig rondlopen </a:t>
-            </a:r>
-          </a:p>
-          <a:p>
-            <a:pPr lvl="1"/>
-            <a:r>
-              <a:rPr lang="nl-NL" dirty="0"/>
-              <a:t>Functionele gebaren</a:t>
-            </a:r>
+        </p:txBody>
+      </p:sp>
+      <p:sp>
+        <p:nvSpPr>
+          <p:cNvPr id="4" name="Tijdelijke aanduiding voor datum 3"/>
+          <p:cNvSpPr>
+            <a:spLocks noGrp="1"/>
+          </p:cNvSpPr>
+          <p:nvPr>
+            <p:ph type="dt" sz="half" idx="10"/>
+          </p:nvPr>
+        </p:nvSpPr>
+        <p:spPr/>
+        <p:txBody>
+          <a:bodyPr/>
+          <a:lstStyle/>
+          <a:p>
+            <a:fld id="{BDFD3D1B-614D-4243-8117-D60DF8C6F931}" type="datetime1">
+              <a:rPr lang="en-US" smtClean="0"/>
+              <a:t>12/18/2016</a:t>
+            </a:fld>
+            <a:endParaRPr lang="en-US" dirty="0"/>
+          </a:p>
+        </p:txBody>
+      </p:sp>
+      <p:sp>
+        <p:nvSpPr>
+          <p:cNvPr id="5" name="Tijdelijke aanduiding voor voettekst 4"/>
+          <p:cNvSpPr>
+            <a:spLocks noGrp="1"/>
+          </p:cNvSpPr>
+          <p:nvPr>
+            <p:ph type="ftr" sz="quarter" idx="11"/>
+          </p:nvPr>
+        </p:nvSpPr>
+        <p:spPr/>
+        <p:txBody>
+          <a:bodyPr/>
+          <a:lstStyle/>
+          <a:p>
+            <a:r>
+              <a:rPr lang="en-US"/>
+              <a:t>Presenteren: audiovisuele hulpmiddelen</a:t>
+            </a:r>
+            <a:endParaRPr lang="en-US" dirty="0"/>
+          </a:p>
+        </p:txBody>
+      </p:sp>
+      <p:sp>
+        <p:nvSpPr>
+          <p:cNvPr id="6" name="Tijdelijke aanduiding voor dianummer 5"/>
+          <p:cNvSpPr>
+            <a:spLocks noGrp="1"/>
+          </p:cNvSpPr>
+          <p:nvPr>
+            <p:ph type="sldNum" sz="quarter" idx="12"/>
+          </p:nvPr>
+        </p:nvSpPr>
+        <p:spPr/>
+        <p:txBody>
+          <a:bodyPr/>
+          <a:lstStyle/>
+          <a:p>
+            <a:fld id="{D57F1E4F-1CFF-5643-939E-217C01CDF565}" type="slidenum">
+              <a:rPr lang="en-US" smtClean="0"/>
+              <a:pPr/>
+              <a:t>4</a:t>
+            </a:fld>
+            <a:endParaRPr lang="en-US" dirty="0"/>
           </a:p>
         </p:txBody>
       </p:sp>
@@ -6333,7 +7051,7 @@
           <a:p>
             <a:r>
               <a:rPr lang="nl-NL" dirty="0"/>
-              <a:t>Stemgebruik</a:t>
+              <a:t>Optimaal gebruik</a:t>
             </a:r>
           </a:p>
         </p:txBody>
@@ -6357,73 +7075,96 @@
           <a:p>
             <a:r>
               <a:rPr lang="nl-NL" dirty="0"/>
-              <a:t>Helder taalgebruik</a:t>
-            </a:r>
-          </a:p>
-          <a:p>
-            <a:pPr lvl="1"/>
+              <a:t>Informatie afbeelden</a:t>
+            </a:r>
+          </a:p>
+          <a:p>
             <a:r>
               <a:rPr lang="nl-NL" dirty="0"/>
-              <a:t>Manier van spreken</a:t>
-            </a:r>
-          </a:p>
-          <a:p>
-            <a:pPr lvl="1"/>
+              <a:t>Goede voorstelling inhoud</a:t>
+            </a:r>
+          </a:p>
+          <a:p>
             <a:r>
               <a:rPr lang="nl-NL" dirty="0"/>
-              <a:t>Aandacht richten op luisteraars</a:t>
-            </a:r>
-          </a:p>
-          <a:p>
-            <a:pPr lvl="1"/>
+              <a:t>Spiekbrief</a:t>
+            </a:r>
+          </a:p>
+          <a:p>
             <a:r>
               <a:rPr lang="nl-NL" dirty="0"/>
-              <a:t>Spreektaal</a:t>
-            </a:r>
-          </a:p>
-          <a:p>
-            <a:r>
-              <a:rPr lang="nl-NL" dirty="0"/>
-              <a:t>Verbetering taalgebruik</a:t>
-            </a:r>
-          </a:p>
-          <a:p>
-            <a:pPr lvl="1"/>
-            <a:r>
-              <a:rPr lang="nl-NL" dirty="0"/>
-              <a:t>Publieksgerichte woordkeuze</a:t>
-            </a:r>
-          </a:p>
-          <a:p>
-            <a:pPr lvl="1"/>
-            <a:r>
-              <a:rPr lang="nl-NL" dirty="0"/>
-              <a:t>Statische begrippen (vergelijkingen)</a:t>
-            </a:r>
-          </a:p>
-          <a:p>
-            <a:pPr lvl="1"/>
-            <a:r>
-              <a:rPr lang="nl-NL" dirty="0"/>
-              <a:t>Eenvoudige zinsbouw</a:t>
-            </a:r>
-          </a:p>
-          <a:p>
-            <a:pPr lvl="1"/>
-            <a:r>
-              <a:rPr lang="nl-NL" dirty="0"/>
-              <a:t>Directe en actieve formulering</a:t>
-            </a:r>
-          </a:p>
-          <a:p>
-            <a:pPr lvl="1"/>
-            <a:r>
-              <a:rPr lang="nl-NL" dirty="0"/>
-              <a:t>Veel redundantie</a:t>
-            </a:r>
-          </a:p>
-          <a:p>
-            <a:endParaRPr lang="nl-NL" dirty="0"/>
+              <a:t>Minder afdwalend publiek</a:t>
+            </a:r>
+          </a:p>
+        </p:txBody>
+      </p:sp>
+      <p:sp>
+        <p:nvSpPr>
+          <p:cNvPr id="4" name="Tijdelijke aanduiding voor datum 3"/>
+          <p:cNvSpPr>
+            <a:spLocks noGrp="1"/>
+          </p:cNvSpPr>
+          <p:nvPr>
+            <p:ph type="dt" sz="half" idx="10"/>
+          </p:nvPr>
+        </p:nvSpPr>
+        <p:spPr/>
+        <p:txBody>
+          <a:bodyPr/>
+          <a:lstStyle/>
+          <a:p>
+            <a:fld id="{99EFB687-AF28-45F5-81E1-4D83DD1EDAF9}" type="datetime1">
+              <a:rPr lang="en-US" smtClean="0"/>
+              <a:t>12/18/2016</a:t>
+            </a:fld>
+            <a:endParaRPr lang="en-US" dirty="0"/>
+          </a:p>
+        </p:txBody>
+      </p:sp>
+      <p:sp>
+        <p:nvSpPr>
+          <p:cNvPr id="5" name="Tijdelijke aanduiding voor voettekst 4"/>
+          <p:cNvSpPr>
+            <a:spLocks noGrp="1"/>
+          </p:cNvSpPr>
+          <p:nvPr>
+            <p:ph type="ftr" sz="quarter" idx="11"/>
+          </p:nvPr>
+        </p:nvSpPr>
+        <p:spPr/>
+        <p:txBody>
+          <a:bodyPr/>
+          <a:lstStyle/>
+          <a:p>
+            <a:r>
+              <a:rPr lang="en-US"/>
+              <a:t>Presenteren: audiovisuele hulpmiddelen</a:t>
+            </a:r>
+            <a:endParaRPr lang="en-US" dirty="0"/>
+          </a:p>
+        </p:txBody>
+      </p:sp>
+      <p:sp>
+        <p:nvSpPr>
+          <p:cNvPr id="6" name="Tijdelijke aanduiding voor dianummer 5"/>
+          <p:cNvSpPr>
+            <a:spLocks noGrp="1"/>
+          </p:cNvSpPr>
+          <p:nvPr>
+            <p:ph type="sldNum" sz="quarter" idx="12"/>
+          </p:nvPr>
+        </p:nvSpPr>
+        <p:spPr/>
+        <p:txBody>
+          <a:bodyPr/>
+          <a:lstStyle/>
+          <a:p>
+            <a:fld id="{D57F1E4F-1CFF-5643-939E-217C01CDF565}" type="slidenum">
+              <a:rPr lang="en-US" smtClean="0"/>
+              <a:pPr/>
+              <a:t>5</a:t>
+            </a:fld>
+            <a:endParaRPr lang="en-US" dirty="0"/>
           </a:p>
         </p:txBody>
       </p:sp>
@@ -6474,8 +7215,21 @@
           <a:p>
             <a:r>
               <a:rPr lang="nl-NL" dirty="0"/>
-              <a:t>Effectief gebruik</a:t>
-            </a:r>
+              <a:t>Maken </a:t>
+            </a:r>
+            <a:r>
+              <a:rPr lang="nl-NL" dirty="0" err="1"/>
+              <a:t>powerpoint</a:t>
+            </a:r>
+            <a:r>
+              <a:rPr lang="nl-NL" dirty="0"/>
+              <a:t>/</a:t>
+            </a:r>
+            <a:r>
+              <a:rPr lang="nl-NL" dirty="0" err="1"/>
+              <a:t>prezi</a:t>
+            </a:r>
+            <a:endParaRPr lang="nl-NL" dirty="0"/>
           </a:p>
         </p:txBody>
       </p:sp>
@@ -6496,32 +7250,131 @@
           <a:p>
             <a:r>
               <a:rPr lang="nl-NL" dirty="0"/>
-              <a:t>Ontspanning</a:t>
-            </a:r>
-          </a:p>
-          <a:p>
+              <a:t>Drie belangrijke aspecten:</a:t>
+            </a:r>
+          </a:p>
+          <a:p>
+            <a:pPr lvl="1"/>
             <a:r>
               <a:rPr lang="nl-NL" dirty="0"/>
-              <a:t>Activiteiten voorafgaand</a:t>
-            </a:r>
-          </a:p>
-          <a:p>
+              <a:t>Niet te lang</a:t>
+            </a:r>
+          </a:p>
+          <a:p>
+            <a:pPr lvl="1"/>
             <a:r>
               <a:rPr lang="nl-NL" dirty="0"/>
-              <a:t>Goede houding, adem rustig</a:t>
-            </a:r>
-          </a:p>
-          <a:p>
+              <a:t>Niet te veel informatie op één slide</a:t>
+            </a:r>
+          </a:p>
+          <a:p>
+            <a:pPr lvl="1"/>
             <a:r>
               <a:rPr lang="nl-NL" dirty="0"/>
-              <a:t>Spreek luid en niet monotoon</a:t>
-            </a:r>
-          </a:p>
-          <a:p>
+              <a:t>Gebruik steekwoorden</a:t>
+            </a:r>
+          </a:p>
+          <a:p>
+            <a:pPr lvl="1"/>
             <a:r>
               <a:rPr lang="nl-NL" dirty="0"/>
-              <a:t>Boodschap</a:t>
-            </a:r>
+              <a:t>Vereenvoudig schema’s / technische tekeningen</a:t>
+            </a:r>
+          </a:p>
+          <a:p>
+            <a:r>
+              <a:rPr lang="nl-NL" dirty="0"/>
+              <a:t>Informatie op slides</a:t>
+            </a:r>
+          </a:p>
+          <a:p>
+            <a:pPr lvl="1"/>
+            <a:r>
+              <a:rPr lang="nl-NL" dirty="0"/>
+              <a:t>Groeislides</a:t>
+            </a:r>
+          </a:p>
+          <a:p>
+            <a:r>
+              <a:rPr lang="nl-NL" dirty="0"/>
+              <a:t>Leesbaarheid</a:t>
+            </a:r>
+          </a:p>
+          <a:p>
+            <a:r>
+              <a:rPr lang="nl-NL" dirty="0"/>
+              <a:t>Huisstijl</a:t>
+            </a:r>
+          </a:p>
+        </p:txBody>
+      </p:sp>
+      <p:sp>
+        <p:nvSpPr>
+          <p:cNvPr id="4" name="Tijdelijke aanduiding voor datum 3"/>
+          <p:cNvSpPr>
+            <a:spLocks noGrp="1"/>
+          </p:cNvSpPr>
+          <p:nvPr>
+            <p:ph type="dt" sz="half" idx="10"/>
+          </p:nvPr>
+        </p:nvSpPr>
+        <p:spPr/>
+        <p:txBody>
+          <a:bodyPr/>
+          <a:lstStyle/>
+          <a:p>
+            <a:fld id="{62E5BEFD-7A17-4E58-ACB4-29B476BE67B9}" type="datetime1">
+              <a:rPr lang="en-US" smtClean="0"/>
+              <a:t>12/18/2016</a:t>
+            </a:fld>
+            <a:endParaRPr lang="en-US" dirty="0"/>
+          </a:p>
+        </p:txBody>
+      </p:sp>
+      <p:sp>
+        <p:nvSpPr>
+          <p:cNvPr id="5" name="Tijdelijke aanduiding voor voettekst 4"/>
+          <p:cNvSpPr>
+            <a:spLocks noGrp="1"/>
+          </p:cNvSpPr>
+          <p:nvPr>
+            <p:ph type="ftr" sz="quarter" idx="11"/>
+          </p:nvPr>
+        </p:nvSpPr>
+        <p:spPr/>
+        <p:txBody>
+          <a:bodyPr/>
+          <a:lstStyle/>
+          <a:p>
+            <a:r>
+              <a:rPr lang="en-US"/>
+              <a:t>Presenteren: audiovisuele hulpmiddelen</a:t>
+            </a:r>
+            <a:endParaRPr lang="en-US" dirty="0"/>
+          </a:p>
+        </p:txBody>
+      </p:sp>
+      <p:sp>
+        <p:nvSpPr>
+          <p:cNvPr id="6" name="Tijdelijke aanduiding voor dianummer 5"/>
+          <p:cNvSpPr>
+            <a:spLocks noGrp="1"/>
+          </p:cNvSpPr>
+          <p:nvPr>
+            <p:ph type="sldNum" sz="quarter" idx="12"/>
+          </p:nvPr>
+        </p:nvSpPr>
+        <p:spPr/>
+        <p:txBody>
+          <a:bodyPr/>
+          <a:lstStyle/>
+          <a:p>
+            <a:fld id="{D57F1E4F-1CFF-5643-939E-217C01CDF565}" type="slidenum">
+              <a:rPr lang="en-US" smtClean="0"/>
+              <a:pPr/>
+              <a:t>6</a:t>
+            </a:fld>
+            <a:endParaRPr lang="en-US" dirty="0"/>
           </a:p>
         </p:txBody>
       </p:sp>
@@ -6594,34 +7447,25 @@
           <a:p>
             <a:r>
               <a:rPr lang="nl-NL" dirty="0"/>
-              <a:t>Belang</a:t>
-            </a:r>
-          </a:p>
-          <a:p>
-            <a:pPr lvl="1"/>
+              <a:t>Verschillende audiovisuele hulpmiddelen</a:t>
+            </a:r>
+          </a:p>
+          <a:p>
             <a:r>
               <a:rPr lang="nl-NL" dirty="0"/>
-              <a:t>Houding</a:t>
-            </a:r>
-          </a:p>
-          <a:p>
-            <a:pPr lvl="1"/>
+              <a:t>Betere beeldvorming</a:t>
+            </a:r>
+          </a:p>
+          <a:p>
             <a:r>
               <a:rPr lang="nl-NL" dirty="0"/>
-              <a:t>Stemgebruik</a:t>
-            </a:r>
-          </a:p>
-          <a:p>
-            <a:pPr lvl="1"/>
+              <a:t>Let op juist gebruik</a:t>
+            </a:r>
+          </a:p>
+          <a:p>
             <a:r>
               <a:rPr lang="nl-NL" dirty="0"/>
-              <a:t>Effectief gebruik</a:t>
-            </a:r>
-          </a:p>
-          <a:p>
-            <a:r>
-              <a:rPr lang="nl-NL" dirty="0"/>
-              <a:t>Vroeger…</a:t>
+              <a:t>Laat audiovisuele hulpmiddelen in een presentatie het publiek en de spreker verbinden! </a:t>
             </a:r>
           </a:p>
           <a:p>
@@ -6629,6 +7473,76 @@
               <a:rPr lang="nl-NL" dirty="0"/>
               <a:t>Vragen/opmerkingen/feedback?</a:t>
             </a:r>
+          </a:p>
+        </p:txBody>
+      </p:sp>
+      <p:sp>
+        <p:nvSpPr>
+          <p:cNvPr id="4" name="Tijdelijke aanduiding voor datum 3"/>
+          <p:cNvSpPr>
+            <a:spLocks noGrp="1"/>
+          </p:cNvSpPr>
+          <p:nvPr>
+            <p:ph type="dt" sz="half" idx="10"/>
+          </p:nvPr>
+        </p:nvSpPr>
+        <p:spPr/>
+        <p:txBody>
+          <a:bodyPr/>
+          <a:lstStyle/>
+          <a:p>
+            <a:fld id="{304EACAC-571C-4B5D-ADB6-3069565A8FF5}" type="datetime1">
+              <a:rPr lang="en-US" smtClean="0"/>
+              <a:t>12/18/2016</a:t>
+            </a:fld>
+            <a:endParaRPr lang="en-US" dirty="0"/>
+          </a:p>
+        </p:txBody>
+      </p:sp>
+      <p:sp>
+        <p:nvSpPr>
+          <p:cNvPr id="5" name="Tijdelijke aanduiding voor voettekst 4"/>
+          <p:cNvSpPr>
+            <a:spLocks noGrp="1"/>
+          </p:cNvSpPr>
+          <p:nvPr>
+            <p:ph type="ftr" sz="quarter" idx="11"/>
+          </p:nvPr>
+        </p:nvSpPr>
+        <p:spPr/>
+        <p:txBody>
+          <a:bodyPr/>
+          <a:lstStyle/>
+          <a:p>
+            <a:r>
+              <a:rPr lang="en-US"/>
+              <a:t>Presenteren: audiovisuele hulpmiddelen</a:t>
+            </a:r>
+            <a:endParaRPr lang="en-US" dirty="0"/>
+          </a:p>
+        </p:txBody>
+      </p:sp>
+      <p:sp>
+        <p:nvSpPr>
+          <p:cNvPr id="6" name="Tijdelijke aanduiding voor dianummer 5"/>
+          <p:cNvSpPr>
+            <a:spLocks noGrp="1"/>
+          </p:cNvSpPr>
+          <p:nvPr>
+            <p:ph type="sldNum" sz="quarter" idx="12"/>
+          </p:nvPr>
+        </p:nvSpPr>
+        <p:spPr/>
+        <p:txBody>
+          <a:bodyPr/>
+          <a:lstStyle/>
+          <a:p>
+            <a:fld id="{D57F1E4F-1CFF-5643-939E-217C01CDF565}" type="slidenum">
+              <a:rPr lang="en-US" smtClean="0"/>
+              <a:pPr/>
+              <a:t>7</a:t>
+            </a:fld>
+            <a:endParaRPr lang="en-US" dirty="0"/>
           </a:p>
         </p:txBody>
       </p:sp>
@@ -6900,4 +7814,299 @@
     </a:ext>
   </a:extLst>
 </a:theme>
+</file>
+
+<file path=ppt/theme/theme2.xml><?xml version="1.0" encoding="utf-8"?>
+<a:theme xmlns:a="http://schemas.openxmlformats.org/drawingml/2006/main" name="Kantoorthema">
+  <a:themeElements>
+    <a:clrScheme name="Kantoor">
+      <a:dk1>
+        <a:sysClr val="windowText" lastClr="000000"/>
+      </a:dk1>
+      <a:lt1>
+        <a:sysClr val="window" lastClr="FFFFFF"/>
+      </a:lt1>
+      <a:dk2>
+        <a:srgbClr val="44546A"/>
+      </a:dk2>
+      <a:lt2>
+        <a:srgbClr val="E7E6E6"/>
+      </a:lt2>
+      <a:accent1>
+        <a:srgbClr val="5B9BD5"/>
+      </a:accent1>
+      <a:accent2>
+        <a:srgbClr val="ED7D31"/>
+      </a:accent2>
+      <a:accent3>
+        <a:srgbClr val="A5A5A5"/>
+      </a:accent3>
+      <a:accent4>
+        <a:srgbClr val="FFC000"/>
+      </a:accent4>
+      <a:accent5>
+        <a:srgbClr val="4472C4"/>
+      </a:accent5>
+      <a:accent6>
+        <a:srgbClr val="70AD47"/>
+      </a:accent6>
+      <a:hlink>
+        <a:srgbClr val="0563C1"/>
+      </a:hlink>
+      <a:folHlink>
+        <a:srgbClr val="954F72"/>
+      </a:folHlink>
+    </a:clrScheme>
+    <a:fontScheme name="Kantoor">
+      <a:majorFont>
+        <a:latin typeface="Calibri Light" panose="020F0302020204030204"/>
+        <a:ea typeface=""/>
+        <a:cs typeface=""/>
+        <a:font script="Jpan" typeface="游ゴシック Light"/>
+        <a:font script="Hang" typeface="맑은 고딕"/>
+        <a:font script="Hans" typeface="等线 Light"/>
+        <a:font script="Hant" typeface="新細明體"/>
+        <a:font script="Arab" typeface="Times New Roman"/>
+        <a:font script="Hebr" typeface="Times New Roman"/>
+        <a:font script="Thai" typeface="Angsana New"/>
+        <a:font script="Ethi" typeface="Nyala"/>
+        <a:font script="Beng" typeface="Vrinda"/>
+        <a:font script="Gujr" typeface="Shruti"/>
+        <a:font script="Khmr" typeface="MoolBoran"/>
+        <a:font script="Knda" typeface="Tunga"/>
+        <a:font script="Guru" typeface="Raavi"/>
+        <a:font script="Cans" typeface="Euphemia"/>
+        <a:font script="Cher" typeface="Plantagenet Cherokee"/>
+        <a:font script="Yiii" typeface="Microsoft Yi Baiti"/>
+        <a:font script="Tibt" typeface="Microsoft Himalaya"/>
+        <a:font script="Thaa" typeface="MV Boli"/>
+        <a:font script="Deva" typeface="Mangal"/>
+        <a:font script="Telu" typeface="Gautami"/>
+        <a:font script="Taml" typeface="Latha"/>
+        <a:font script="Syrc" typeface="Estrangelo Edessa"/>
+        <a:font script="Orya" typeface="Kalinga"/>
+        <a:font script="Mlym" typeface="Kartika"/>
+        <a:font script="Laoo" typeface="DokChampa"/>
+        <a:font script="Sinh" typeface="Iskoola Pota"/>
+        <a:font script="Mong" typeface="Mongolian Baiti"/>
+        <a:font script="Viet" typeface="Times New Roman"/>
+        <a:font script="Uigh" typeface="Microsoft Uighur"/>
+        <a:font script="Geor" typeface="Sylfaen"/>
+        <a:font script="Armn" typeface="Arial"/>
+        <a:font script="Bugi" typeface="Leelawadee UI"/>
+        <a:font script="Bopo" typeface="Microsoft JhengHei"/>
+        <a:font script="Java" typeface="Javanese Text"/>
+        <a:font script="Lisu" typeface="Segoe UI"/>
+        <a:font script="Mymr" typeface="Myanmar Text"/>
+        <a:font script="Nkoo" typeface="Ebrima"/>
+        <a:font script="Olck" typeface="Nirmala UI"/>
+        <a:font script="Osma" typeface="Ebrima"/>
+        <a:font script="Phag" typeface="Phagspa"/>
+        <a:font script="Syrn" typeface="Estrangelo Edessa"/>
+        <a:font script="Syrj" typeface="Estrangelo Edessa"/>
+        <a:font script="Syre" typeface="Estrangelo Edessa"/>
+        <a:font script="Sora" typeface="Nirmala UI"/>
+        <a:font script="Tale" typeface="Microsoft Tai Le"/>
+        <a:font script="Talu" typeface="Microsoft New Tai Lue"/>
+        <a:font script="Tfng" typeface="Ebrima"/>
+      </a:majorFont>
+      <a:minorFont>
+        <a:latin typeface="Calibri" panose="020F0502020204030204"/>
+        <a:ea typeface=""/>
+        <a:cs typeface=""/>
+        <a:font script="Jpan" typeface="游ゴシック"/>
+        <a:font script="Hang" typeface="맑은 고딕"/>
+        <a:font script="Hans" typeface="等线"/>
+        <a:font script="Hant" typeface="新細明體"/>
+        <a:font script="Arab" typeface="Arial"/>
+        <a:font script="Hebr" typeface="Arial"/>
+        <a:font script="Thai" typeface="Cordia New"/>
+        <a:font script="Ethi" typeface="Nyala"/>
+        <a:font script="Beng" typeface="Vrinda"/>
+        <a:font script="Gujr" typeface="Shruti"/>
+        <a:font script="Khmr" typeface="DaunPenh"/>
+        <a:font script="Knda" typeface="Tunga"/>
+        <a:font script="Guru" typeface="Raavi"/>
+        <a:font script="Cans" typeface="Euphemia"/>
+        <a:font script="Cher" typeface="Plantagenet Cherokee"/>
+        <a:font script="Yiii" typeface="Microsoft Yi Baiti"/>
+        <a:font script="Tibt" typeface="Microsoft Himalaya"/>
+        <a:font script="Thaa" typeface="MV Boli"/>
+        <a:font script="Deva" typeface="Mangal"/>
+        <a:font script="Telu" typeface="Gautami"/>
+        <a:font script="Taml" typeface="Latha"/>
+        <a:font script="Syrc" typeface="Estrangelo Edessa"/>
+        <a:font script="Orya" typeface="Kalinga"/>
+        <a:font script="Mlym" typeface="Kartika"/>
+        <a:font script="Laoo" typeface="DokChampa"/>
+        <a:font script="Sinh" typeface="Iskoola Pota"/>
+        <a:font script="Mong" typeface="Mongolian Baiti"/>
+        <a:font script="Viet" typeface="Arial"/>
+        <a:font script="Uigh" typeface="Microsoft Uighur"/>
+        <a:font script="Geor" typeface="Sylfaen"/>
+        <a:font script="Armn" typeface="Arial"/>
+        <a:font script="Bugi" typeface="Leelawadee UI"/>
+        <a:font script="Bopo" typeface="Microsoft JhengHei"/>
+        <a:font script="Java" typeface="Javanese Text"/>
+        <a:font script="Lisu" typeface="Segoe UI"/>
+        <a:font script="Mymr" typeface="Myanmar Text"/>
+        <a:font script="Nkoo" typeface="Ebrima"/>
+        <a:font script="Olck" typeface="Nirmala UI"/>
+        <a:font script="Osma" typeface="Ebrima"/>
+        <a:font script="Phag" typeface="Phagspa"/>
+        <a:font script="Syrn" typeface="Estrangelo Edessa"/>
+        <a:font script="Syrj" typeface="Estrangelo Edessa"/>
+        <a:font script="Syre" typeface="Estrangelo Edessa"/>
+        <a:font script="Sora" typeface="Nirmala UI"/>
+        <a:font script="Tale" typeface="Microsoft Tai Le"/>
+        <a:font script="Talu" typeface="Microsoft New Tai Lue"/>
+        <a:font script="Tfng" typeface="Ebrima"/>
+      </a:minorFont>
+    </a:fontScheme>
+    <a:fmtScheme name="Kantoor">
+      <a:fillStyleLst>
+        <a:solidFill>
+          <a:schemeClr val="phClr"/>
+        </a:solidFill>
+        <a:gradFill rotWithShape="1">
+          <a:gsLst>
+            <a:gs pos="0">
+              <a:schemeClr val="phClr">
+                <a:lumMod val="110000"/>
+                <a:satMod val="105000"/>
+                <a:tint val="67000"/>
+              </a:schemeClr>
+            </a:gs>
+            <a:gs pos="50000">
+              <a:schemeClr val="phClr">
+                <a:lumMod val="105000"/>
+                <a:satMod val="103000"/>
+                <a:tint val="73000"/>
+              </a:schemeClr>
+            </a:gs>
+            <a:gs pos="100000">
+              <a:schemeClr val="phClr">
+                <a:lumMod val="105000"/>
+                <a:satMod val="109000"/>
+                <a:tint val="81000"/>
+              </a:schemeClr>
+            </a:gs>
+          </a:gsLst>
+          <a:lin ang="5400000" scaled="0"/>
+        </a:gradFill>
+        <a:gradFill rotWithShape="1">
+          <a:gsLst>
+            <a:gs pos="0">
+              <a:schemeClr val="phClr">
+                <a:satMod val="103000"/>
+                <a:lumMod val="102000"/>
+                <a:tint val="94000"/>
+              </a:schemeClr>
+            </a:gs>
+            <a:gs pos="50000">
+              <a:schemeClr val="phClr">
+                <a:satMod val="110000"/>
+                <a:lumMod val="100000"/>
+                <a:shade val="100000"/>
+              </a:schemeClr>
+            </a:gs>
+            <a:gs pos="100000">
+              <a:schemeClr val="phClr">
+                <a:lumMod val="99000"/>
+                <a:satMod val="120000"/>
+                <a:shade val="78000"/>
+              </a:schemeClr>
+            </a:gs>
+          </a:gsLst>
+          <a:lin ang="5400000" scaled="0"/>
+        </a:gradFill>
+      </a:fillStyleLst>
+      <a:lnStyleLst>
+        <a:ln w="6350" cap="flat" cmpd="sng" algn="ctr">
+          <a:solidFill>
+            <a:schemeClr val="phClr"/>
+          </a:solidFill>
+          <a:prstDash val="solid"/>
+          <a:miter lim="800000"/>
+        </a:ln>
+        <a:ln w="12700" cap="flat" cmpd="sng" algn="ctr">
+          <a:solidFill>
+            <a:schemeClr val="phClr"/>
+          </a:solidFill>
+          <a:prstDash val="solid"/>
+          <a:miter lim="800000"/>
+        </a:ln>
+        <a:ln w="19050" cap="flat" cmpd="sng" algn="ctr">
+          <a:solidFill>
+            <a:schemeClr val="phClr"/>
+          </a:solidFill>
+          <a:prstDash val="solid"/>
+          <a:miter lim="800000"/>
+        </a:ln>
+      </a:lnStyleLst>
+      <a:effectStyleLst>
+        <a:effectStyle>
+          <a:effectLst/>
+        </a:effectStyle>
+        <a:effectStyle>
+          <a:effectLst/>
+        </a:effectStyle>
+        <a:effectStyle>
+          <a:effectLst>
+            <a:outerShdw blurRad="57150" dist="19050" dir="5400000" algn="ctr" rotWithShape="0">
+              <a:srgbClr val="000000">
+                <a:alpha val="63000"/>
+              </a:srgbClr>
+            </a:outerShdw>
+          </a:effectLst>
+        </a:effectStyle>
+      </a:effectStyleLst>
+      <a:bgFillStyleLst>
+        <a:solidFill>
+          <a:schemeClr val="phClr"/>
+        </a:solidFill>
+        <a:solidFill>
+          <a:schemeClr val="phClr">
+            <a:tint val="95000"/>
+            <a:satMod val="170000"/>
+          </a:schemeClr>
+        </a:solidFill>
+        <a:gradFill rotWithShape="1">
+          <a:gsLst>
+            <a:gs pos="0">
+              <a:schemeClr val="phClr">
+                <a:tint val="93000"/>
+                <a:satMod val="150000"/>
+                <a:shade val="98000"/>
+                <a:lumMod val="102000"/>
+              </a:schemeClr>
+            </a:gs>
+            <a:gs pos="50000">
+              <a:schemeClr val="phClr">
+                <a:tint val="98000"/>
+                <a:satMod val="130000"/>
+                <a:shade val="90000"/>
+                <a:lumMod val="103000"/>
+              </a:schemeClr>
+            </a:gs>
+            <a:gs pos="100000">
+              <a:schemeClr val="phClr">
+                <a:shade val="63000"/>
+                <a:satMod val="120000"/>
+              </a:schemeClr>
+            </a:gs>
+          </a:gsLst>
+          <a:lin ang="5400000" scaled="0"/>
+        </a:gradFill>
+      </a:bgFillStyleLst>
+    </a:fmtScheme>
+  </a:themeElements>
+  <a:objectDefaults/>
+  <a:extraClrSchemeLst/>
+  <a:extLst>
+    <a:ext uri="{05A4C25C-085E-4340-85A3-A5531E510DB2}">
+      <thm15:themeFamily xmlns:thm15="http://schemas.microsoft.com/office/thememl/2012/main" name="Office Theme" id="{62F939B6-93AF-4DB8-9C6B-D6C7DFDC589F}" vid="{4A3C46E8-61CC-4603-A589-7422A47A8E4A}"/>
+    </a:ext>
+  </a:extLst>
+</a:theme>
 </file>